--- a/05_ControlX/05_ControlX_Corrige.pptx
+++ b/05_ControlX/05_ControlX_Corrige.pptx
@@ -9,6 +9,8 @@
     <p:sldId id="265" r:id="rId3"/>
     <p:sldId id="266" r:id="rId4"/>
     <p:sldId id="267" r:id="rId5"/>
+    <p:sldId id="269" r:id="rId6"/>
+    <p:sldId id="268" r:id="rId7"/>
   </p:sldIdLst>
   <p:sldSz cx="12192000" cy="6858000"/>
   <p:notesSz cx="6858000" cy="9144000"/>
@@ -355,7 +357,7 @@
           <a:p>
             <a:fld id="{D7F135F6-2A09-4FDD-9ECA-096E230CA0FA}" type="datetimeFigureOut">
               <a:rPr lang="fr-FR" smtClean="0"/>
-              <a:t>13/04/2023</a:t>
+              <a:t>13/10/2023</a:t>
             </a:fld>
             <a:endParaRPr lang="fr-FR"/>
           </a:p>
@@ -560,7 +562,7 @@
           <a:p>
             <a:fld id="{D7F135F6-2A09-4FDD-9ECA-096E230CA0FA}" type="datetimeFigureOut">
               <a:rPr lang="fr-FR" smtClean="0"/>
-              <a:t>13/04/2023</a:t>
+              <a:t>13/10/2023</a:t>
             </a:fld>
             <a:endParaRPr lang="fr-FR"/>
           </a:p>
@@ -816,7 +818,7 @@
           <a:p>
             <a:fld id="{D7F135F6-2A09-4FDD-9ECA-096E230CA0FA}" type="datetimeFigureOut">
               <a:rPr lang="fr-FR" smtClean="0"/>
-              <a:t>13/04/2023</a:t>
+              <a:t>13/10/2023</a:t>
             </a:fld>
             <a:endParaRPr lang="fr-FR"/>
           </a:p>
@@ -1022,7 +1024,7 @@
           <a:p>
             <a:fld id="{D7F135F6-2A09-4FDD-9ECA-096E230CA0FA}" type="datetimeFigureOut">
               <a:rPr lang="fr-FR" smtClean="0"/>
-              <a:t>13/04/2023</a:t>
+              <a:t>13/10/2023</a:t>
             </a:fld>
             <a:endParaRPr lang="fr-FR"/>
           </a:p>
@@ -1384,7 +1386,7 @@
           <a:p>
             <a:fld id="{D7F135F6-2A09-4FDD-9ECA-096E230CA0FA}" type="datetimeFigureOut">
               <a:rPr lang="fr-FR" smtClean="0"/>
-              <a:t>13/04/2023</a:t>
+              <a:t>13/10/2023</a:t>
             </a:fld>
             <a:endParaRPr lang="fr-FR"/>
           </a:p>
@@ -1659,7 +1661,7 @@
           <a:p>
             <a:fld id="{D7F135F6-2A09-4FDD-9ECA-096E230CA0FA}" type="datetimeFigureOut">
               <a:rPr lang="fr-FR" smtClean="0"/>
-              <a:t>13/04/2023</a:t>
+              <a:t>13/10/2023</a:t>
             </a:fld>
             <a:endParaRPr lang="fr-FR"/>
           </a:p>
@@ -2038,7 +2040,7 @@
           <a:p>
             <a:fld id="{D7F135F6-2A09-4FDD-9ECA-096E230CA0FA}" type="datetimeFigureOut">
               <a:rPr lang="fr-FR" smtClean="0"/>
-              <a:t>13/04/2023</a:t>
+              <a:t>13/10/2023</a:t>
             </a:fld>
             <a:endParaRPr lang="fr-FR"/>
           </a:p>
@@ -2156,7 +2158,7 @@
           <a:p>
             <a:fld id="{D7F135F6-2A09-4FDD-9ECA-096E230CA0FA}" type="datetimeFigureOut">
               <a:rPr lang="fr-FR" smtClean="0"/>
-              <a:t>13/04/2023</a:t>
+              <a:t>13/10/2023</a:t>
             </a:fld>
             <a:endParaRPr lang="fr-FR"/>
           </a:p>
@@ -2330,7 +2332,7 @@
           <a:p>
             <a:fld id="{D7F135F6-2A09-4FDD-9ECA-096E230CA0FA}" type="datetimeFigureOut">
               <a:rPr lang="fr-FR" smtClean="0"/>
-              <a:t>13/04/2023</a:t>
+              <a:t>13/10/2023</a:t>
             </a:fld>
             <a:endParaRPr lang="fr-FR"/>
           </a:p>
@@ -2687,7 +2689,7 @@
           <a:p>
             <a:fld id="{D7F135F6-2A09-4FDD-9ECA-096E230CA0FA}" type="datetimeFigureOut">
               <a:rPr lang="fr-FR" smtClean="0"/>
-              <a:t>13/04/2023</a:t>
+              <a:t>13/10/2023</a:t>
             </a:fld>
             <a:endParaRPr lang="fr-FR"/>
           </a:p>
@@ -3072,7 +3074,7 @@
           <a:p>
             <a:fld id="{D7F135F6-2A09-4FDD-9ECA-096E230CA0FA}" type="datetimeFigureOut">
               <a:rPr lang="fr-FR" smtClean="0"/>
-              <a:t>13/04/2023</a:t>
+              <a:t>13/10/2023</a:t>
             </a:fld>
             <a:endParaRPr lang="fr-FR"/>
           </a:p>
@@ -3362,7 +3364,7 @@
           <a:p>
             <a:fld id="{D7F135F6-2A09-4FDD-9ECA-096E230CA0FA}" type="datetimeFigureOut">
               <a:rPr lang="fr-FR" smtClean="0"/>
-              <a:t>13/04/2023</a:t>
+              <a:t>13/10/2023</a:t>
             </a:fld>
             <a:endParaRPr lang="fr-FR" dirty="0"/>
           </a:p>
@@ -6571,8 +6573,8 @@
           </p:sp>
         </mc:Fallback>
       </mc:AlternateContent>
-      <mc:AlternateContent xmlns:mc="http://schemas.openxmlformats.org/markup-compatibility/2006">
-        <mc:Choice xmlns:a14="http://schemas.microsoft.com/office/drawing/2010/main" Requires="a14">
+      <mc:AlternateContent xmlns:mc="http://schemas.openxmlformats.org/markup-compatibility/2006" xmlns:a14="http://schemas.microsoft.com/office/drawing/2010/main">
+        <mc:Choice Requires="a14">
           <p:sp>
             <p:nvSpPr>
               <p:cNvPr id="65" name="ZoneTexte 64">
@@ -6636,7 +6638,7 @@
             </p:txBody>
           </p:sp>
         </mc:Choice>
-        <mc:Fallback>
+        <mc:Fallback xmlns="">
           <p:sp>
             <p:nvSpPr>
               <p:cNvPr id="65" name="ZoneTexte 64">
@@ -7101,8 +7103,8 @@
           </p:spPr>
         </p:pic>
       </p:grpSp>
-      <mc:AlternateContent xmlns:mc="http://schemas.openxmlformats.org/markup-compatibility/2006">
-        <mc:Choice xmlns:a14="http://schemas.microsoft.com/office/drawing/2010/main" Requires="a14">
+      <mc:AlternateContent xmlns:mc="http://schemas.openxmlformats.org/markup-compatibility/2006" xmlns:a14="http://schemas.microsoft.com/office/drawing/2010/main">
+        <mc:Choice Requires="a14">
           <p:sp>
             <p:nvSpPr>
               <p:cNvPr id="2" name="ZoneTexte 1">
@@ -7166,7 +7168,7 @@
             </p:txBody>
           </p:sp>
         </mc:Choice>
-        <mc:Fallback>
+        <mc:Fallback xmlns="">
           <p:sp>
             <p:nvSpPr>
               <p:cNvPr id="2" name="ZoneTexte 1">
@@ -8657,6 +8659,251 @@
     <p:extLst>
       <p:ext uri="{BB962C8B-B14F-4D97-AF65-F5344CB8AC3E}">
         <p14:creationId xmlns:p14="http://schemas.microsoft.com/office/powerpoint/2010/main" val="284060875"/>
+      </p:ext>
+    </p:extLst>
+  </p:cSld>
+  <p:clrMapOvr>
+    <a:masterClrMapping/>
+  </p:clrMapOvr>
+</p:sld>
+</file>
+
+<file path=ppt/slides/slide5.xml><?xml version="1.0" encoding="utf-8"?>
+<p:sld xmlns:a="http://schemas.openxmlformats.org/drawingml/2006/main" xmlns:r="http://schemas.openxmlformats.org/officeDocument/2006/relationships" xmlns:p="http://schemas.openxmlformats.org/presentationml/2006/main">
+  <p:cSld>
+    <p:spTree>
+      <p:nvGrpSpPr>
+        <p:cNvPr id="1" name=""/>
+        <p:cNvGrpSpPr/>
+        <p:nvPr/>
+      </p:nvGrpSpPr>
+      <p:grpSpPr>
+        <a:xfrm>
+          <a:off x="0" y="0"/>
+          <a:ext cx="0" cy="0"/>
+          <a:chOff x="0" y="0"/>
+          <a:chExt cx="0" cy="0"/>
+        </a:xfrm>
+      </p:grpSpPr>
+      <p:sp>
+        <p:nvSpPr>
+          <p:cNvPr id="4" name="Titre 3">
+            <a:extLst>
+              <a:ext uri="{FF2B5EF4-FFF2-40B4-BE49-F238E27FC236}">
+                <a16:creationId xmlns:a16="http://schemas.microsoft.com/office/drawing/2014/main" id="{B794E1E6-E0CB-0314-482E-A48AE59E0887}"/>
+              </a:ext>
+            </a:extLst>
+          </p:cNvPr>
+          <p:cNvSpPr>
+            <a:spLocks noGrp="1"/>
+          </p:cNvSpPr>
+          <p:nvPr>
+            <p:ph type="title"/>
+          </p:nvPr>
+        </p:nvSpPr>
+        <p:spPr/>
+        <p:txBody>
+          <a:bodyPr/>
+          <a:lstStyle/>
+          <a:p>
+            <a:r>
+              <a:rPr lang="fr-FR" dirty="0" smtClean="0"/>
+              <a:t>05</a:t>
+            </a:r>
+            <a:r>
+              <a:rPr lang="fr-FR" dirty="0"/>
+              <a:t/>
+            </a:r>
+            <a:br>
+              <a:rPr lang="fr-FR" dirty="0"/>
+            </a:br>
+            <a:r>
+              <a:rPr lang="fr-FR" dirty="0" smtClean="0"/>
+              <a:t>Résolution Cinématique</a:t>
+            </a:r>
+            <a:endParaRPr lang="fr-FR" dirty="0"/>
+          </a:p>
+        </p:txBody>
+      </p:sp>
+      <p:sp>
+        <p:nvSpPr>
+          <p:cNvPr id="5" name="Espace réservé du texte 4">
+            <a:extLst>
+              <a:ext uri="{FF2B5EF4-FFF2-40B4-BE49-F238E27FC236}">
+                <a16:creationId xmlns:a16="http://schemas.microsoft.com/office/drawing/2014/main" id="{31164354-1A91-E980-2D9B-9062246D64F4}"/>
+              </a:ext>
+            </a:extLst>
+          </p:cNvPr>
+          <p:cNvSpPr>
+            <a:spLocks noGrp="1"/>
+          </p:cNvSpPr>
+          <p:nvPr>
+            <p:ph type="body" idx="1"/>
+          </p:nvPr>
+        </p:nvSpPr>
+        <p:spPr/>
+        <p:txBody>
+          <a:bodyPr/>
+          <a:lstStyle/>
+          <a:p>
+            <a:endParaRPr lang="fr-FR"/>
+          </a:p>
+        </p:txBody>
+      </p:sp>
+    </p:spTree>
+    <p:extLst>
+      <p:ext uri="{BB962C8B-B14F-4D97-AF65-F5344CB8AC3E}">
+        <p14:creationId xmlns:p14="http://schemas.microsoft.com/office/powerpoint/2010/main" val="3483399854"/>
+      </p:ext>
+    </p:extLst>
+  </p:cSld>
+  <p:clrMapOvr>
+    <a:masterClrMapping/>
+  </p:clrMapOvr>
+</p:sld>
+</file>
+
+<file path=ppt/slides/slide6.xml><?xml version="1.0" encoding="utf-8"?>
+<p:sld xmlns:a="http://schemas.openxmlformats.org/drawingml/2006/main" xmlns:r="http://schemas.openxmlformats.org/officeDocument/2006/relationships" xmlns:p="http://schemas.openxmlformats.org/presentationml/2006/main">
+  <p:cSld>
+    <p:spTree>
+      <p:nvGrpSpPr>
+        <p:cNvPr id="1" name=""/>
+        <p:cNvGrpSpPr/>
+        <p:nvPr/>
+      </p:nvGrpSpPr>
+      <p:grpSpPr>
+        <a:xfrm>
+          <a:off x="0" y="0"/>
+          <a:ext cx="0" cy="0"/>
+          <a:chOff x="0" y="0"/>
+          <a:chExt cx="0" cy="0"/>
+        </a:xfrm>
+      </p:grpSpPr>
+      <p:sp>
+        <p:nvSpPr>
+          <p:cNvPr id="2" name="Titre 1"/>
+          <p:cNvSpPr>
+            <a:spLocks noGrp="1"/>
+          </p:cNvSpPr>
+          <p:nvPr>
+            <p:ph type="title"/>
+          </p:nvPr>
+        </p:nvSpPr>
+        <p:spPr/>
+        <p:txBody>
+          <a:bodyPr/>
+          <a:lstStyle/>
+          <a:p>
+            <a:r>
+              <a:rPr lang="fr-FR" dirty="0" smtClean="0"/>
+              <a:t>Résolution cinématique</a:t>
+            </a:r>
+            <a:endParaRPr lang="fr-FR" dirty="0"/>
+          </a:p>
+        </p:txBody>
+      </p:sp>
+      <p:sp>
+        <p:nvSpPr>
+          <p:cNvPr id="3" name="Espace réservé du contenu 2"/>
+          <p:cNvSpPr>
+            <a:spLocks noGrp="1"/>
+          </p:cNvSpPr>
+          <p:nvPr>
+            <p:ph idx="1"/>
+          </p:nvPr>
+        </p:nvSpPr>
+        <p:spPr/>
+        <p:txBody>
+          <a:bodyPr/>
+          <a:lstStyle/>
+          <a:p>
+            <a:endParaRPr lang="fr-FR" dirty="0"/>
+          </a:p>
+        </p:txBody>
+      </p:sp>
+      <p:pic>
+        <p:nvPicPr>
+          <p:cNvPr id="5" name="Image 4"/>
+          <p:cNvPicPr>
+            <a:picLocks noChangeAspect="1"/>
+          </p:cNvPicPr>
+          <p:nvPr/>
+        </p:nvPicPr>
+        <p:blipFill>
+          <a:blip r:embed="rId2"/>
+          <a:stretch>
+            <a:fillRect/>
+          </a:stretch>
+        </p:blipFill>
+        <p:spPr>
+          <a:xfrm>
+            <a:off x="260206" y="2122055"/>
+            <a:ext cx="5581973" cy="2686916"/>
+          </a:xfrm>
+          <a:prstGeom prst="rect">
+            <a:avLst/>
+          </a:prstGeom>
+        </p:spPr>
+      </p:pic>
+      <p:pic>
+        <p:nvPicPr>
+          <p:cNvPr id="7" name="Image 6"/>
+          <p:cNvPicPr>
+            <a:picLocks noChangeAspect="1"/>
+          </p:cNvPicPr>
+          <p:nvPr/>
+        </p:nvPicPr>
+        <p:blipFill>
+          <a:blip r:embed="rId3"/>
+          <a:stretch>
+            <a:fillRect/>
+          </a:stretch>
+        </p:blipFill>
+        <p:spPr>
+          <a:xfrm flipH="1">
+            <a:off x="6253125" y="1376768"/>
+            <a:ext cx="5646932" cy="4104463"/>
+          </a:xfrm>
+          <a:prstGeom prst="rect">
+            <a:avLst/>
+          </a:prstGeom>
+        </p:spPr>
+      </p:pic>
+      <p:sp>
+        <p:nvSpPr>
+          <p:cNvPr id="11" name="ZoneTexte 10"/>
+          <p:cNvSpPr txBox="1"/>
+          <p:nvPr/>
+        </p:nvSpPr>
+        <p:spPr>
+          <a:xfrm>
+            <a:off x="260206" y="5949139"/>
+            <a:ext cx="6997844" cy="369332"/>
+          </a:xfrm>
+          <a:prstGeom prst="rect">
+            <a:avLst/>
+          </a:prstGeom>
+          <a:noFill/>
+        </p:spPr>
+        <p:txBody>
+          <a:bodyPr wrap="square" rtlCol="0">
+            <a:spAutoFit/>
+          </a:bodyPr>
+          <a:lstStyle/>
+          <a:p>
+            <a:r>
+              <a:rPr lang="fr-FR" dirty="0" smtClean="0"/>
+              <a:t>Fichier mesure : Mesures/Trapeze_200mm.txt</a:t>
+            </a:r>
+            <a:endParaRPr lang="fr-FR" dirty="0"/>
+          </a:p>
+        </p:txBody>
+      </p:sp>
+    </p:spTree>
+    <p:extLst>
+      <p:ext uri="{BB962C8B-B14F-4D97-AF65-F5344CB8AC3E}">
+        <p14:creationId xmlns:p14="http://schemas.microsoft.com/office/powerpoint/2010/main" val="2785234593"/>
       </p:ext>
     </p:extLst>
   </p:cSld>

--- a/05_ControlX/05_ControlX_Corrige.pptx
+++ b/05_ControlX/05_ControlX_Corrige.pptx
@@ -357,7 +357,7 @@
           <a:p>
             <a:fld id="{D7F135F6-2A09-4FDD-9ECA-096E230CA0FA}" type="datetimeFigureOut">
               <a:rPr lang="fr-FR" smtClean="0"/>
-              <a:t>13/10/2023</a:t>
+              <a:t>12/02/2024</a:t>
             </a:fld>
             <a:endParaRPr lang="fr-FR"/>
           </a:p>
@@ -562,7 +562,7 @@
           <a:p>
             <a:fld id="{D7F135F6-2A09-4FDD-9ECA-096E230CA0FA}" type="datetimeFigureOut">
               <a:rPr lang="fr-FR" smtClean="0"/>
-              <a:t>13/10/2023</a:t>
+              <a:t>12/02/2024</a:t>
             </a:fld>
             <a:endParaRPr lang="fr-FR"/>
           </a:p>
@@ -818,7 +818,7 @@
           <a:p>
             <a:fld id="{D7F135F6-2A09-4FDD-9ECA-096E230CA0FA}" type="datetimeFigureOut">
               <a:rPr lang="fr-FR" smtClean="0"/>
-              <a:t>13/10/2023</a:t>
+              <a:t>12/02/2024</a:t>
             </a:fld>
             <a:endParaRPr lang="fr-FR"/>
           </a:p>
@@ -1024,7 +1024,7 @@
           <a:p>
             <a:fld id="{D7F135F6-2A09-4FDD-9ECA-096E230CA0FA}" type="datetimeFigureOut">
               <a:rPr lang="fr-FR" smtClean="0"/>
-              <a:t>13/10/2023</a:t>
+              <a:t>12/02/2024</a:t>
             </a:fld>
             <a:endParaRPr lang="fr-FR"/>
           </a:p>
@@ -1386,7 +1386,7 @@
           <a:p>
             <a:fld id="{D7F135F6-2A09-4FDD-9ECA-096E230CA0FA}" type="datetimeFigureOut">
               <a:rPr lang="fr-FR" smtClean="0"/>
-              <a:t>13/10/2023</a:t>
+              <a:t>12/02/2024</a:t>
             </a:fld>
             <a:endParaRPr lang="fr-FR"/>
           </a:p>
@@ -1661,7 +1661,7 @@
           <a:p>
             <a:fld id="{D7F135F6-2A09-4FDD-9ECA-096E230CA0FA}" type="datetimeFigureOut">
               <a:rPr lang="fr-FR" smtClean="0"/>
-              <a:t>13/10/2023</a:t>
+              <a:t>12/02/2024</a:t>
             </a:fld>
             <a:endParaRPr lang="fr-FR"/>
           </a:p>
@@ -2040,7 +2040,7 @@
           <a:p>
             <a:fld id="{D7F135F6-2A09-4FDD-9ECA-096E230CA0FA}" type="datetimeFigureOut">
               <a:rPr lang="fr-FR" smtClean="0"/>
-              <a:t>13/10/2023</a:t>
+              <a:t>12/02/2024</a:t>
             </a:fld>
             <a:endParaRPr lang="fr-FR"/>
           </a:p>
@@ -2158,7 +2158,7 @@
           <a:p>
             <a:fld id="{D7F135F6-2A09-4FDD-9ECA-096E230CA0FA}" type="datetimeFigureOut">
               <a:rPr lang="fr-FR" smtClean="0"/>
-              <a:t>13/10/2023</a:t>
+              <a:t>12/02/2024</a:t>
             </a:fld>
             <a:endParaRPr lang="fr-FR"/>
           </a:p>
@@ -2332,7 +2332,7 @@
           <a:p>
             <a:fld id="{D7F135F6-2A09-4FDD-9ECA-096E230CA0FA}" type="datetimeFigureOut">
               <a:rPr lang="fr-FR" smtClean="0"/>
-              <a:t>13/10/2023</a:t>
+              <a:t>12/02/2024</a:t>
             </a:fld>
             <a:endParaRPr lang="fr-FR"/>
           </a:p>
@@ -2689,7 +2689,7 @@
           <a:p>
             <a:fld id="{D7F135F6-2A09-4FDD-9ECA-096E230CA0FA}" type="datetimeFigureOut">
               <a:rPr lang="fr-FR" smtClean="0"/>
-              <a:t>13/10/2023</a:t>
+              <a:t>12/02/2024</a:t>
             </a:fld>
             <a:endParaRPr lang="fr-FR"/>
           </a:p>
@@ -3074,7 +3074,7 @@
           <a:p>
             <a:fld id="{D7F135F6-2A09-4FDD-9ECA-096E230CA0FA}" type="datetimeFigureOut">
               <a:rPr lang="fr-FR" smtClean="0"/>
-              <a:t>13/10/2023</a:t>
+              <a:t>12/02/2024</a:t>
             </a:fld>
             <a:endParaRPr lang="fr-FR"/>
           </a:p>
@@ -3364,7 +3364,7 @@
           <a:p>
             <a:fld id="{D7F135F6-2A09-4FDD-9ECA-096E230CA0FA}" type="datetimeFigureOut">
               <a:rPr lang="fr-FR" smtClean="0"/>
-              <a:t>13/10/2023</a:t>
+              <a:t>12/02/2024</a:t>
             </a:fld>
             <a:endParaRPr lang="fr-FR" dirty="0"/>
           </a:p>
@@ -6984,7 +6984,7 @@
                   <a:srgbClr val="00547F"/>
                 </a:solidFill>
               </a:rPr>
-              <a:t>Le codeur incrémental (ou la règle magnétique selon le choix) permettent de contrôler la position du chariot. Le capteur de courant peut être utilisé pour une régulation de courant. </a:t>
+              <a:t>Le codeur incrémental (ou la règle magnétique selon le choix) permet de contrôler la position du chariot. Le capteur de courant peut être utilisé pour une régulation de courant. </a:t>
             </a:r>
           </a:p>
           <a:p>
@@ -6995,7 +6995,7 @@
                   <a:srgbClr val="00547F"/>
                 </a:solidFill>
               </a:rPr>
-              <a:t>Tous les autres capteurs sont à but pédagogique</a:t>
+              <a:t>Tous les autres capteurs sont à but pédagogique.</a:t>
             </a:r>
           </a:p>
         </p:txBody>
@@ -8707,21 +8707,16 @@
           <a:lstStyle/>
           <a:p>
             <a:r>
-              <a:rPr lang="fr-FR" dirty="0" smtClean="0"/>
+              <a:rPr lang="fr-FR" dirty="0"/>
               <a:t>05</a:t>
-            </a:r>
-            <a:r>
-              <a:rPr lang="fr-FR" dirty="0"/>
-              <a:t/>
             </a:r>
             <a:br>
               <a:rPr lang="fr-FR" dirty="0"/>
             </a:br>
             <a:r>
-              <a:rPr lang="fr-FR" dirty="0" smtClean="0"/>
+              <a:rPr lang="fr-FR" dirty="0"/>
               <a:t>Résolution Cinématique</a:t>
             </a:r>
-            <a:endParaRPr lang="fr-FR" dirty="0"/>
           </a:p>
         </p:txBody>
       </p:sp>
@@ -8796,10 +8791,9 @@
           <a:lstStyle/>
           <a:p>
             <a:r>
-              <a:rPr lang="fr-FR" dirty="0" smtClean="0"/>
+              <a:rPr lang="fr-FR" dirty="0"/>
               <a:t>Résolution cinématique</a:t>
             </a:r>
-            <a:endParaRPr lang="fr-FR" dirty="0"/>
           </a:p>
         </p:txBody>
       </p:sp>
@@ -8893,10 +8887,9 @@
           <a:lstStyle/>
           <a:p>
             <a:r>
-              <a:rPr lang="fr-FR" dirty="0" smtClean="0"/>
+              <a:rPr lang="fr-FR" dirty="0"/>
               <a:t>Fichier mesure : Mesures/Trapeze_200mm.txt</a:t>
             </a:r>
-            <a:endParaRPr lang="fr-FR" dirty="0"/>
           </a:p>
         </p:txBody>
       </p:sp>

--- a/05_ControlX/05_ControlX_Corrige.pptx
+++ b/05_ControlX/05_ControlX_Corrige.pptx
@@ -11,6 +11,8 @@
     <p:sldId id="267" r:id="rId5"/>
     <p:sldId id="269" r:id="rId6"/>
     <p:sldId id="268" r:id="rId7"/>
+    <p:sldId id="270" r:id="rId8"/>
+    <p:sldId id="271" r:id="rId9"/>
   </p:sldIdLst>
   <p:sldSz cx="12192000" cy="6858000"/>
   <p:notesSz cx="6858000" cy="9144000"/>
@@ -357,7 +359,7 @@
           <a:p>
             <a:fld id="{D7F135F6-2A09-4FDD-9ECA-096E230CA0FA}" type="datetimeFigureOut">
               <a:rPr lang="fr-FR" smtClean="0"/>
-              <a:t>12/02/2024</a:t>
+              <a:t>17/01/2025</a:t>
             </a:fld>
             <a:endParaRPr lang="fr-FR"/>
           </a:p>
@@ -562,7 +564,7 @@
           <a:p>
             <a:fld id="{D7F135F6-2A09-4FDD-9ECA-096E230CA0FA}" type="datetimeFigureOut">
               <a:rPr lang="fr-FR" smtClean="0"/>
-              <a:t>12/02/2024</a:t>
+              <a:t>17/01/2025</a:t>
             </a:fld>
             <a:endParaRPr lang="fr-FR"/>
           </a:p>
@@ -818,7 +820,7 @@
           <a:p>
             <a:fld id="{D7F135F6-2A09-4FDD-9ECA-096E230CA0FA}" type="datetimeFigureOut">
               <a:rPr lang="fr-FR" smtClean="0"/>
-              <a:t>12/02/2024</a:t>
+              <a:t>17/01/2025</a:t>
             </a:fld>
             <a:endParaRPr lang="fr-FR"/>
           </a:p>
@@ -1024,7 +1026,7 @@
           <a:p>
             <a:fld id="{D7F135F6-2A09-4FDD-9ECA-096E230CA0FA}" type="datetimeFigureOut">
               <a:rPr lang="fr-FR" smtClean="0"/>
-              <a:t>12/02/2024</a:t>
+              <a:t>17/01/2025</a:t>
             </a:fld>
             <a:endParaRPr lang="fr-FR"/>
           </a:p>
@@ -1386,7 +1388,7 @@
           <a:p>
             <a:fld id="{D7F135F6-2A09-4FDD-9ECA-096E230CA0FA}" type="datetimeFigureOut">
               <a:rPr lang="fr-FR" smtClean="0"/>
-              <a:t>12/02/2024</a:t>
+              <a:t>17/01/2025</a:t>
             </a:fld>
             <a:endParaRPr lang="fr-FR"/>
           </a:p>
@@ -1661,7 +1663,7 @@
           <a:p>
             <a:fld id="{D7F135F6-2A09-4FDD-9ECA-096E230CA0FA}" type="datetimeFigureOut">
               <a:rPr lang="fr-FR" smtClean="0"/>
-              <a:t>12/02/2024</a:t>
+              <a:t>17/01/2025</a:t>
             </a:fld>
             <a:endParaRPr lang="fr-FR"/>
           </a:p>
@@ -2040,7 +2042,7 @@
           <a:p>
             <a:fld id="{D7F135F6-2A09-4FDD-9ECA-096E230CA0FA}" type="datetimeFigureOut">
               <a:rPr lang="fr-FR" smtClean="0"/>
-              <a:t>12/02/2024</a:t>
+              <a:t>17/01/2025</a:t>
             </a:fld>
             <a:endParaRPr lang="fr-FR"/>
           </a:p>
@@ -2158,7 +2160,7 @@
           <a:p>
             <a:fld id="{D7F135F6-2A09-4FDD-9ECA-096E230CA0FA}" type="datetimeFigureOut">
               <a:rPr lang="fr-FR" smtClean="0"/>
-              <a:t>12/02/2024</a:t>
+              <a:t>17/01/2025</a:t>
             </a:fld>
             <a:endParaRPr lang="fr-FR"/>
           </a:p>
@@ -2332,7 +2334,7 @@
           <a:p>
             <a:fld id="{D7F135F6-2A09-4FDD-9ECA-096E230CA0FA}" type="datetimeFigureOut">
               <a:rPr lang="fr-FR" smtClean="0"/>
-              <a:t>12/02/2024</a:t>
+              <a:t>17/01/2025</a:t>
             </a:fld>
             <a:endParaRPr lang="fr-FR"/>
           </a:p>
@@ -2689,7 +2691,7 @@
           <a:p>
             <a:fld id="{D7F135F6-2A09-4FDD-9ECA-096E230CA0FA}" type="datetimeFigureOut">
               <a:rPr lang="fr-FR" smtClean="0"/>
-              <a:t>12/02/2024</a:t>
+              <a:t>17/01/2025</a:t>
             </a:fld>
             <a:endParaRPr lang="fr-FR"/>
           </a:p>
@@ -3074,7 +3076,7 @@
           <a:p>
             <a:fld id="{D7F135F6-2A09-4FDD-9ECA-096E230CA0FA}" type="datetimeFigureOut">
               <a:rPr lang="fr-FR" smtClean="0"/>
-              <a:t>12/02/2024</a:t>
+              <a:t>17/01/2025</a:t>
             </a:fld>
             <a:endParaRPr lang="fr-FR"/>
           </a:p>
@@ -3364,7 +3366,7 @@
           <a:p>
             <a:fld id="{D7F135F6-2A09-4FDD-9ECA-096E230CA0FA}" type="datetimeFigureOut">
               <a:rPr lang="fr-FR" smtClean="0"/>
-              <a:t>12/02/2024</a:t>
+              <a:t>17/01/2025</a:t>
             </a:fld>
             <a:endParaRPr lang="fr-FR" dirty="0"/>
           </a:p>
@@ -8906,6 +8908,1191 @@
 </p:sld>
 </file>
 
+<file path=ppt/slides/slide7.xml><?xml version="1.0" encoding="utf-8"?>
+<p:sld xmlns:a="http://schemas.openxmlformats.org/drawingml/2006/main" xmlns:r="http://schemas.openxmlformats.org/officeDocument/2006/relationships" xmlns:p="http://schemas.openxmlformats.org/presentationml/2006/main">
+  <p:cSld>
+    <p:spTree>
+      <p:nvGrpSpPr>
+        <p:cNvPr id="1" name="">
+          <a:extLst>
+            <a:ext uri="{FF2B5EF4-FFF2-40B4-BE49-F238E27FC236}">
+              <a16:creationId xmlns:a16="http://schemas.microsoft.com/office/drawing/2014/main" id="{FC9AE76C-9DD9-A097-4AF3-D58DA55C66ED}"/>
+            </a:ext>
+          </a:extLst>
+        </p:cNvPr>
+        <p:cNvGrpSpPr/>
+        <p:nvPr/>
+      </p:nvGrpSpPr>
+      <p:grpSpPr>
+        <a:xfrm>
+          <a:off x="0" y="0"/>
+          <a:ext cx="0" cy="0"/>
+          <a:chOff x="0" y="0"/>
+          <a:chExt cx="0" cy="0"/>
+        </a:xfrm>
+      </p:grpSpPr>
+      <p:sp>
+        <p:nvSpPr>
+          <p:cNvPr id="4" name="Titre 3">
+            <a:extLst>
+              <a:ext uri="{FF2B5EF4-FFF2-40B4-BE49-F238E27FC236}">
+                <a16:creationId xmlns:a16="http://schemas.microsoft.com/office/drawing/2014/main" id="{00ADF847-D117-615F-3419-76BB84B51BC8}"/>
+              </a:ext>
+            </a:extLst>
+          </p:cNvPr>
+          <p:cNvSpPr>
+            <a:spLocks noGrp="1"/>
+          </p:cNvSpPr>
+          <p:nvPr>
+            <p:ph type="title"/>
+          </p:nvPr>
+        </p:nvSpPr>
+        <p:spPr/>
+        <p:txBody>
+          <a:bodyPr/>
+          <a:lstStyle/>
+          <a:p>
+            <a:r>
+              <a:rPr lang="fr-FR" dirty="0"/>
+              <a:t>09</a:t>
+            </a:r>
+            <a:br>
+              <a:rPr lang="fr-FR" dirty="0"/>
+            </a:br>
+            <a:r>
+              <a:rPr lang="fr-FR" dirty="0"/>
+              <a:t>Dimensionnement actionneur dynamique</a:t>
+            </a:r>
+          </a:p>
+        </p:txBody>
+      </p:sp>
+      <p:sp>
+        <p:nvSpPr>
+          <p:cNvPr id="5" name="Espace réservé du texte 4">
+            <a:extLst>
+              <a:ext uri="{FF2B5EF4-FFF2-40B4-BE49-F238E27FC236}">
+                <a16:creationId xmlns:a16="http://schemas.microsoft.com/office/drawing/2014/main" id="{D331074A-9658-B14D-8F5F-C474BC03EEB6}"/>
+              </a:ext>
+            </a:extLst>
+          </p:cNvPr>
+          <p:cNvSpPr>
+            <a:spLocks noGrp="1"/>
+          </p:cNvSpPr>
+          <p:nvPr>
+            <p:ph type="body" idx="1"/>
+          </p:nvPr>
+        </p:nvSpPr>
+        <p:spPr/>
+        <p:txBody>
+          <a:bodyPr/>
+          <a:lstStyle/>
+          <a:p>
+            <a:endParaRPr lang="fr-FR"/>
+          </a:p>
+        </p:txBody>
+      </p:sp>
+    </p:spTree>
+    <p:extLst>
+      <p:ext uri="{BB962C8B-B14F-4D97-AF65-F5344CB8AC3E}">
+        <p14:creationId xmlns:p14="http://schemas.microsoft.com/office/powerpoint/2010/main" val="3809103055"/>
+      </p:ext>
+    </p:extLst>
+  </p:cSld>
+  <p:clrMapOvr>
+    <a:masterClrMapping/>
+  </p:clrMapOvr>
+</p:sld>
+</file>
+
+<file path=ppt/slides/slide8.xml><?xml version="1.0" encoding="utf-8"?>
+<p:sld xmlns:a="http://schemas.openxmlformats.org/drawingml/2006/main" xmlns:r="http://schemas.openxmlformats.org/officeDocument/2006/relationships" xmlns:p="http://schemas.openxmlformats.org/presentationml/2006/main">
+  <p:cSld>
+    <p:spTree>
+      <p:nvGrpSpPr>
+        <p:cNvPr id="1" name=""/>
+        <p:cNvGrpSpPr/>
+        <p:nvPr/>
+      </p:nvGrpSpPr>
+      <p:grpSpPr>
+        <a:xfrm>
+          <a:off x="0" y="0"/>
+          <a:ext cx="0" cy="0"/>
+          <a:chOff x="0" y="0"/>
+          <a:chExt cx="0" cy="0"/>
+        </a:xfrm>
+      </p:grpSpPr>
+      <p:sp>
+        <p:nvSpPr>
+          <p:cNvPr id="4" name="Titre 3">
+            <a:extLst>
+              <a:ext uri="{FF2B5EF4-FFF2-40B4-BE49-F238E27FC236}">
+                <a16:creationId xmlns:a16="http://schemas.microsoft.com/office/drawing/2014/main" id="{44AFE651-EB9B-8CF6-2117-F748BE438541}"/>
+              </a:ext>
+            </a:extLst>
+          </p:cNvPr>
+          <p:cNvSpPr>
+            <a:spLocks noGrp="1"/>
+          </p:cNvSpPr>
+          <p:nvPr>
+            <p:ph type="title"/>
+          </p:nvPr>
+        </p:nvSpPr>
+        <p:spPr/>
+        <p:txBody>
+          <a:bodyPr/>
+          <a:lstStyle/>
+          <a:p>
+            <a:r>
+              <a:rPr lang="fr-FR" dirty="0"/>
+              <a:t>Modélisation</a:t>
+            </a:r>
+          </a:p>
+        </p:txBody>
+      </p:sp>
+      <p:sp>
+        <p:nvSpPr>
+          <p:cNvPr id="5" name="Espace réservé du contenu 4">
+            <a:extLst>
+              <a:ext uri="{FF2B5EF4-FFF2-40B4-BE49-F238E27FC236}">
+                <a16:creationId xmlns:a16="http://schemas.microsoft.com/office/drawing/2014/main" id="{B22B84CC-CDF9-B579-9C58-32B08FDE3D96}"/>
+              </a:ext>
+            </a:extLst>
+          </p:cNvPr>
+          <p:cNvSpPr>
+            <a:spLocks noGrp="1"/>
+          </p:cNvSpPr>
+          <p:nvPr>
+            <p:ph idx="1"/>
+          </p:nvPr>
+        </p:nvSpPr>
+        <p:spPr>
+          <a:xfrm>
+            <a:off x="117795" y="981887"/>
+            <a:ext cx="2099625" cy="5253339"/>
+          </a:xfrm>
+        </p:spPr>
+        <p:txBody>
+          <a:bodyPr/>
+          <a:lstStyle/>
+          <a:p>
+            <a:r>
+              <a:rPr lang="fr-FR" dirty="0"/>
+              <a:t>Modèle</a:t>
+            </a:r>
+          </a:p>
+        </p:txBody>
+      </p:sp>
+      <p:sp>
+        <p:nvSpPr>
+          <p:cNvPr id="6" name="Ellipse 5">
+            <a:extLst>
+              <a:ext uri="{FF2B5EF4-FFF2-40B4-BE49-F238E27FC236}">
+                <a16:creationId xmlns:a16="http://schemas.microsoft.com/office/drawing/2014/main" id="{00CE6323-4984-7BA9-6539-8F38307F9C89}"/>
+              </a:ext>
+            </a:extLst>
+          </p:cNvPr>
+          <p:cNvSpPr/>
+          <p:nvPr/>
+        </p:nvSpPr>
+        <p:spPr>
+          <a:xfrm>
+            <a:off x="7876397" y="2815224"/>
+            <a:ext cx="360000" cy="360000"/>
+          </a:xfrm>
+          <a:prstGeom prst="ellipse">
+            <a:avLst/>
+          </a:prstGeom>
+          <a:noFill/>
+          <a:ln w="28575"/>
+        </p:spPr>
+        <p:style>
+          <a:lnRef idx="2">
+            <a:schemeClr val="accent1">
+              <a:shade val="15000"/>
+            </a:schemeClr>
+          </a:lnRef>
+          <a:fillRef idx="1">
+            <a:schemeClr val="accent1"/>
+          </a:fillRef>
+          <a:effectRef idx="0">
+            <a:schemeClr val="accent1"/>
+          </a:effectRef>
+          <a:fontRef idx="minor">
+            <a:schemeClr val="lt1"/>
+          </a:fontRef>
+        </p:style>
+        <p:txBody>
+          <a:bodyPr rtlCol="0" anchor="ctr"/>
+          <a:lstStyle/>
+          <a:p>
+            <a:pPr algn="ctr"/>
+            <a:r>
+              <a:rPr lang="fr-FR" b="1" dirty="0">
+                <a:solidFill>
+                  <a:sysClr val="windowText" lastClr="000000"/>
+                </a:solidFill>
+              </a:rPr>
+              <a:t>0</a:t>
+            </a:r>
+          </a:p>
+        </p:txBody>
+      </p:sp>
+      <p:pic>
+        <p:nvPicPr>
+          <p:cNvPr id="8" name="Image 7">
+            <a:extLst>
+              <a:ext uri="{FF2B5EF4-FFF2-40B4-BE49-F238E27FC236}">
+                <a16:creationId xmlns:a16="http://schemas.microsoft.com/office/drawing/2014/main" id="{509512AD-8ED8-D7DD-9E37-A1C164208A47}"/>
+              </a:ext>
+            </a:extLst>
+          </p:cNvPr>
+          <p:cNvPicPr>
+            <a:picLocks noChangeAspect="1"/>
+          </p:cNvPicPr>
+          <p:nvPr/>
+        </p:nvPicPr>
+        <p:blipFill>
+          <a:blip r:embed="rId2"/>
+          <a:stretch>
+            <a:fillRect/>
+          </a:stretch>
+        </p:blipFill>
+        <p:spPr>
+          <a:xfrm>
+            <a:off x="117795" y="1475385"/>
+            <a:ext cx="4316423" cy="4400728"/>
+          </a:xfrm>
+          <a:prstGeom prst="rect">
+            <a:avLst/>
+          </a:prstGeom>
+        </p:spPr>
+      </p:pic>
+      <p:sp>
+        <p:nvSpPr>
+          <p:cNvPr id="9" name="Ellipse 8">
+            <a:extLst>
+              <a:ext uri="{FF2B5EF4-FFF2-40B4-BE49-F238E27FC236}">
+                <a16:creationId xmlns:a16="http://schemas.microsoft.com/office/drawing/2014/main" id="{57F9A9AF-80CC-8E27-EE24-06B571DBEA93}"/>
+              </a:ext>
+            </a:extLst>
+          </p:cNvPr>
+          <p:cNvSpPr/>
+          <p:nvPr/>
+        </p:nvSpPr>
+        <p:spPr>
+          <a:xfrm>
+            <a:off x="9064399" y="3582146"/>
+            <a:ext cx="360000" cy="360000"/>
+          </a:xfrm>
+          <a:prstGeom prst="ellipse">
+            <a:avLst/>
+          </a:prstGeom>
+          <a:noFill/>
+          <a:ln w="28575">
+            <a:solidFill>
+              <a:srgbClr val="00B050"/>
+            </a:solidFill>
+          </a:ln>
+        </p:spPr>
+        <p:style>
+          <a:lnRef idx="2">
+            <a:schemeClr val="accent1">
+              <a:shade val="15000"/>
+            </a:schemeClr>
+          </a:lnRef>
+          <a:fillRef idx="1">
+            <a:schemeClr val="accent1"/>
+          </a:fillRef>
+          <a:effectRef idx="0">
+            <a:schemeClr val="accent1"/>
+          </a:effectRef>
+          <a:fontRef idx="minor">
+            <a:schemeClr val="lt1"/>
+          </a:fontRef>
+        </p:style>
+        <p:txBody>
+          <a:bodyPr rtlCol="0" anchor="ctr"/>
+          <a:lstStyle/>
+          <a:p>
+            <a:pPr algn="ctr"/>
+            <a:r>
+              <a:rPr lang="fr-FR" b="1" dirty="0">
+                <a:ln>
+                  <a:solidFill>
+                    <a:srgbClr val="00B050"/>
+                  </a:solidFill>
+                </a:ln>
+                <a:solidFill>
+                  <a:srgbClr val="00B050"/>
+                </a:solidFill>
+              </a:rPr>
+              <a:t>1</a:t>
+            </a:r>
+          </a:p>
+        </p:txBody>
+      </p:sp>
+      <p:sp>
+        <p:nvSpPr>
+          <p:cNvPr id="10" name="Ellipse 9">
+            <a:extLst>
+              <a:ext uri="{FF2B5EF4-FFF2-40B4-BE49-F238E27FC236}">
+                <a16:creationId xmlns:a16="http://schemas.microsoft.com/office/drawing/2014/main" id="{FFE26F1B-8859-3642-B75D-9522D4209E4D}"/>
+              </a:ext>
+            </a:extLst>
+          </p:cNvPr>
+          <p:cNvSpPr/>
+          <p:nvPr/>
+        </p:nvSpPr>
+        <p:spPr>
+          <a:xfrm>
+            <a:off x="10063480" y="2635224"/>
+            <a:ext cx="360000" cy="360000"/>
+          </a:xfrm>
+          <a:prstGeom prst="ellipse">
+            <a:avLst/>
+          </a:prstGeom>
+          <a:noFill/>
+          <a:ln w="28575">
+            <a:solidFill>
+              <a:srgbClr val="FFC000"/>
+            </a:solidFill>
+          </a:ln>
+        </p:spPr>
+        <p:style>
+          <a:lnRef idx="2">
+            <a:schemeClr val="accent1">
+              <a:shade val="15000"/>
+            </a:schemeClr>
+          </a:lnRef>
+          <a:fillRef idx="1">
+            <a:schemeClr val="accent1"/>
+          </a:fillRef>
+          <a:effectRef idx="0">
+            <a:schemeClr val="accent1"/>
+          </a:effectRef>
+          <a:fontRef idx="minor">
+            <a:schemeClr val="lt1"/>
+          </a:fontRef>
+        </p:style>
+        <p:txBody>
+          <a:bodyPr rtlCol="0" anchor="ctr"/>
+          <a:lstStyle/>
+          <a:p>
+            <a:pPr algn="ctr"/>
+            <a:r>
+              <a:rPr lang="fr-FR" b="1" dirty="0">
+                <a:solidFill>
+                  <a:srgbClr val="FFC000"/>
+                </a:solidFill>
+              </a:rPr>
+              <a:t>2</a:t>
+            </a:r>
+          </a:p>
+        </p:txBody>
+      </p:sp>
+      <p:sp>
+        <p:nvSpPr>
+          <p:cNvPr id="11" name="Ellipse 10">
+            <a:extLst>
+              <a:ext uri="{FF2B5EF4-FFF2-40B4-BE49-F238E27FC236}">
+                <a16:creationId xmlns:a16="http://schemas.microsoft.com/office/drawing/2014/main" id="{24F76200-2E40-0BE7-A6BE-E4E6149F0569}"/>
+              </a:ext>
+            </a:extLst>
+          </p:cNvPr>
+          <p:cNvSpPr/>
+          <p:nvPr/>
+        </p:nvSpPr>
+        <p:spPr>
+          <a:xfrm>
+            <a:off x="9011678" y="1902615"/>
+            <a:ext cx="360000" cy="360000"/>
+          </a:xfrm>
+          <a:prstGeom prst="ellipse">
+            <a:avLst/>
+          </a:prstGeom>
+          <a:noFill/>
+          <a:ln w="28575">
+            <a:solidFill>
+              <a:srgbClr val="7030A0"/>
+            </a:solidFill>
+          </a:ln>
+        </p:spPr>
+        <p:style>
+          <a:lnRef idx="2">
+            <a:schemeClr val="accent1">
+              <a:shade val="15000"/>
+            </a:schemeClr>
+          </a:lnRef>
+          <a:fillRef idx="1">
+            <a:schemeClr val="accent1"/>
+          </a:fillRef>
+          <a:effectRef idx="0">
+            <a:schemeClr val="accent1"/>
+          </a:effectRef>
+          <a:fontRef idx="minor">
+            <a:schemeClr val="lt1"/>
+          </a:fontRef>
+        </p:style>
+        <p:txBody>
+          <a:bodyPr rtlCol="0" anchor="ctr"/>
+          <a:lstStyle/>
+          <a:p>
+            <a:pPr algn="ctr"/>
+            <a:r>
+              <a:rPr lang="fr-FR" b="1" dirty="0">
+                <a:solidFill>
+                  <a:srgbClr val="7030A0"/>
+                </a:solidFill>
+              </a:rPr>
+              <a:t>3</a:t>
+            </a:r>
+          </a:p>
+        </p:txBody>
+      </p:sp>
+      <p:sp>
+        <p:nvSpPr>
+          <p:cNvPr id="12" name="Ellipse 11">
+            <a:extLst>
+              <a:ext uri="{FF2B5EF4-FFF2-40B4-BE49-F238E27FC236}">
+                <a16:creationId xmlns:a16="http://schemas.microsoft.com/office/drawing/2014/main" id="{2B0502B6-0954-668E-02E3-12701EC5FA61}"/>
+              </a:ext>
+            </a:extLst>
+          </p:cNvPr>
+          <p:cNvSpPr/>
+          <p:nvPr/>
+        </p:nvSpPr>
+        <p:spPr>
+          <a:xfrm>
+            <a:off x="7819303" y="1194767"/>
+            <a:ext cx="559647" cy="360000"/>
+          </a:xfrm>
+          <a:prstGeom prst="ellipse">
+            <a:avLst/>
+          </a:prstGeom>
+          <a:noFill/>
+          <a:ln w="28575">
+            <a:solidFill>
+              <a:srgbClr val="FF0000"/>
+            </a:solidFill>
+          </a:ln>
+        </p:spPr>
+        <p:style>
+          <a:lnRef idx="2">
+            <a:schemeClr val="accent1">
+              <a:shade val="15000"/>
+            </a:schemeClr>
+          </a:lnRef>
+          <a:fillRef idx="1">
+            <a:schemeClr val="accent1"/>
+          </a:fillRef>
+          <a:effectRef idx="0">
+            <a:schemeClr val="accent1"/>
+          </a:effectRef>
+          <a:fontRef idx="minor">
+            <a:schemeClr val="lt1"/>
+          </a:fontRef>
+        </p:style>
+        <p:txBody>
+          <a:bodyPr lIns="36000" tIns="36000" rIns="36000" bIns="36000" rtlCol="0" anchor="ctr"/>
+          <a:lstStyle/>
+          <a:p>
+            <a:pPr algn="ctr"/>
+            <a:r>
+              <a:rPr lang="fr-FR" sz="1600" b="1" dirty="0">
+                <a:solidFill>
+                  <a:srgbClr val="FF0000"/>
+                </a:solidFill>
+              </a:rPr>
+              <a:t>4+5</a:t>
+            </a:r>
+          </a:p>
+        </p:txBody>
+      </p:sp>
+      <p:sp>
+        <p:nvSpPr>
+          <p:cNvPr id="13" name="Ellipse 12">
+            <a:extLst>
+              <a:ext uri="{FF2B5EF4-FFF2-40B4-BE49-F238E27FC236}">
+                <a16:creationId xmlns:a16="http://schemas.microsoft.com/office/drawing/2014/main" id="{ED7C77A8-197B-F6F4-E8B8-3BF0CE36C0B8}"/>
+              </a:ext>
+            </a:extLst>
+          </p:cNvPr>
+          <p:cNvSpPr/>
+          <p:nvPr/>
+        </p:nvSpPr>
+        <p:spPr>
+          <a:xfrm>
+            <a:off x="6546752" y="2507945"/>
+            <a:ext cx="360000" cy="360000"/>
+          </a:xfrm>
+          <a:prstGeom prst="ellipse">
+            <a:avLst/>
+          </a:prstGeom>
+          <a:noFill/>
+          <a:ln w="28575">
+            <a:solidFill>
+              <a:srgbClr val="00B0F0"/>
+            </a:solidFill>
+          </a:ln>
+        </p:spPr>
+        <p:style>
+          <a:lnRef idx="2">
+            <a:schemeClr val="accent1">
+              <a:shade val="15000"/>
+            </a:schemeClr>
+          </a:lnRef>
+          <a:fillRef idx="1">
+            <a:schemeClr val="accent1"/>
+          </a:fillRef>
+          <a:effectRef idx="0">
+            <a:schemeClr val="accent1"/>
+          </a:effectRef>
+          <a:fontRef idx="minor">
+            <a:schemeClr val="lt1"/>
+          </a:fontRef>
+        </p:style>
+        <p:txBody>
+          <a:bodyPr rtlCol="0" anchor="ctr"/>
+          <a:lstStyle/>
+          <a:p>
+            <a:pPr algn="ctr"/>
+            <a:r>
+              <a:rPr lang="fr-FR" b="1" dirty="0">
+                <a:solidFill>
+                  <a:srgbClr val="00B0F0"/>
+                </a:solidFill>
+              </a:rPr>
+              <a:t>6</a:t>
+            </a:r>
+          </a:p>
+        </p:txBody>
+      </p:sp>
+      <p:cxnSp>
+        <p:nvCxnSpPr>
+          <p:cNvPr id="15" name="Connecteur droit 14">
+            <a:extLst>
+              <a:ext uri="{FF2B5EF4-FFF2-40B4-BE49-F238E27FC236}">
+                <a16:creationId xmlns:a16="http://schemas.microsoft.com/office/drawing/2014/main" id="{E98D8185-46B5-B5BF-C88A-0E3E795295F8}"/>
+              </a:ext>
+            </a:extLst>
+          </p:cNvPr>
+          <p:cNvCxnSpPr>
+            <a:cxnSpLocks/>
+            <a:stCxn id="6" idx="5"/>
+            <a:endCxn id="9" idx="1"/>
+          </p:cNvCxnSpPr>
+          <p:nvPr/>
+        </p:nvCxnSpPr>
+        <p:spPr>
+          <a:xfrm>
+            <a:off x="8183676" y="3122503"/>
+            <a:ext cx="933444" cy="512364"/>
+          </a:xfrm>
+          <a:prstGeom prst="line">
+            <a:avLst/>
+          </a:prstGeom>
+          <a:ln w="28575">
+            <a:solidFill>
+              <a:schemeClr val="tx1"/>
+            </a:solidFill>
+          </a:ln>
+        </p:spPr>
+        <p:style>
+          <a:lnRef idx="1">
+            <a:schemeClr val="accent1"/>
+          </a:lnRef>
+          <a:fillRef idx="0">
+            <a:schemeClr val="accent1"/>
+          </a:fillRef>
+          <a:effectRef idx="0">
+            <a:schemeClr val="accent1"/>
+          </a:effectRef>
+          <a:fontRef idx="minor">
+            <a:schemeClr val="tx1"/>
+          </a:fontRef>
+        </p:style>
+      </p:cxnSp>
+      <p:cxnSp>
+        <p:nvCxnSpPr>
+          <p:cNvPr id="19" name="Connecteur droit 18">
+            <a:extLst>
+              <a:ext uri="{FF2B5EF4-FFF2-40B4-BE49-F238E27FC236}">
+                <a16:creationId xmlns:a16="http://schemas.microsoft.com/office/drawing/2014/main" id="{2BF3EF44-E93F-1C4C-7625-22D22BEA6A46}"/>
+              </a:ext>
+            </a:extLst>
+          </p:cNvPr>
+          <p:cNvCxnSpPr>
+            <a:cxnSpLocks/>
+            <a:stCxn id="10" idx="4"/>
+            <a:endCxn id="9" idx="7"/>
+          </p:cNvCxnSpPr>
+          <p:nvPr/>
+        </p:nvCxnSpPr>
+        <p:spPr>
+          <a:xfrm flipH="1">
+            <a:off x="9371678" y="2995224"/>
+            <a:ext cx="871802" cy="639643"/>
+          </a:xfrm>
+          <a:prstGeom prst="line">
+            <a:avLst/>
+          </a:prstGeom>
+          <a:ln w="28575">
+            <a:solidFill>
+              <a:schemeClr val="tx1"/>
+            </a:solidFill>
+          </a:ln>
+        </p:spPr>
+        <p:style>
+          <a:lnRef idx="1">
+            <a:schemeClr val="accent1"/>
+          </a:lnRef>
+          <a:fillRef idx="0">
+            <a:schemeClr val="accent1"/>
+          </a:fillRef>
+          <a:effectRef idx="0">
+            <a:schemeClr val="accent1"/>
+          </a:effectRef>
+          <a:fontRef idx="minor">
+            <a:schemeClr val="tx1"/>
+          </a:fontRef>
+        </p:style>
+      </p:cxnSp>
+      <p:cxnSp>
+        <p:nvCxnSpPr>
+          <p:cNvPr id="22" name="Connecteur droit 21">
+            <a:extLst>
+              <a:ext uri="{FF2B5EF4-FFF2-40B4-BE49-F238E27FC236}">
+                <a16:creationId xmlns:a16="http://schemas.microsoft.com/office/drawing/2014/main" id="{D1955F47-4F43-DA6E-DE39-6F9F8EE58EF1}"/>
+              </a:ext>
+            </a:extLst>
+          </p:cNvPr>
+          <p:cNvCxnSpPr>
+            <a:cxnSpLocks/>
+            <a:stCxn id="10" idx="2"/>
+            <a:endCxn id="6" idx="6"/>
+          </p:cNvCxnSpPr>
+          <p:nvPr/>
+        </p:nvCxnSpPr>
+        <p:spPr>
+          <a:xfrm flipH="1">
+            <a:off x="8236397" y="2815224"/>
+            <a:ext cx="1827083" cy="180000"/>
+          </a:xfrm>
+          <a:prstGeom prst="line">
+            <a:avLst/>
+          </a:prstGeom>
+          <a:ln w="28575">
+            <a:solidFill>
+              <a:schemeClr val="tx1"/>
+            </a:solidFill>
+          </a:ln>
+        </p:spPr>
+        <p:style>
+          <a:lnRef idx="1">
+            <a:schemeClr val="accent1"/>
+          </a:lnRef>
+          <a:fillRef idx="0">
+            <a:schemeClr val="accent1"/>
+          </a:fillRef>
+          <a:effectRef idx="0">
+            <a:schemeClr val="accent1"/>
+          </a:effectRef>
+          <a:fontRef idx="minor">
+            <a:schemeClr val="tx1"/>
+          </a:fontRef>
+        </p:style>
+      </p:cxnSp>
+      <p:cxnSp>
+        <p:nvCxnSpPr>
+          <p:cNvPr id="25" name="Connecteur droit 24">
+            <a:extLst>
+              <a:ext uri="{FF2B5EF4-FFF2-40B4-BE49-F238E27FC236}">
+                <a16:creationId xmlns:a16="http://schemas.microsoft.com/office/drawing/2014/main" id="{748BE9E3-6EAA-AEF4-5E27-5036A0F206A6}"/>
+              </a:ext>
+            </a:extLst>
+          </p:cNvPr>
+          <p:cNvCxnSpPr>
+            <a:cxnSpLocks/>
+            <a:stCxn id="11" idx="3"/>
+            <a:endCxn id="6" idx="7"/>
+          </p:cNvCxnSpPr>
+          <p:nvPr/>
+        </p:nvCxnSpPr>
+        <p:spPr>
+          <a:xfrm flipH="1">
+            <a:off x="8183676" y="2209894"/>
+            <a:ext cx="880723" cy="658051"/>
+          </a:xfrm>
+          <a:prstGeom prst="line">
+            <a:avLst/>
+          </a:prstGeom>
+          <a:ln w="28575">
+            <a:solidFill>
+              <a:schemeClr val="tx1"/>
+            </a:solidFill>
+          </a:ln>
+        </p:spPr>
+        <p:style>
+          <a:lnRef idx="1">
+            <a:schemeClr val="accent1"/>
+          </a:lnRef>
+          <a:fillRef idx="0">
+            <a:schemeClr val="accent1"/>
+          </a:fillRef>
+          <a:effectRef idx="0">
+            <a:schemeClr val="accent1"/>
+          </a:effectRef>
+          <a:fontRef idx="minor">
+            <a:schemeClr val="tx1"/>
+          </a:fontRef>
+        </p:style>
+      </p:cxnSp>
+      <p:cxnSp>
+        <p:nvCxnSpPr>
+          <p:cNvPr id="28" name="Connecteur droit 27">
+            <a:extLst>
+              <a:ext uri="{FF2B5EF4-FFF2-40B4-BE49-F238E27FC236}">
+                <a16:creationId xmlns:a16="http://schemas.microsoft.com/office/drawing/2014/main" id="{1782A031-5777-A15F-47C1-2E180807163B}"/>
+              </a:ext>
+            </a:extLst>
+          </p:cNvPr>
+          <p:cNvCxnSpPr>
+            <a:cxnSpLocks/>
+            <a:stCxn id="10" idx="1"/>
+            <a:endCxn id="11" idx="5"/>
+          </p:cNvCxnSpPr>
+          <p:nvPr/>
+        </p:nvCxnSpPr>
+        <p:spPr>
+          <a:xfrm flipH="1" flipV="1">
+            <a:off x="9318957" y="2209894"/>
+            <a:ext cx="797244" cy="478051"/>
+          </a:xfrm>
+          <a:prstGeom prst="line">
+            <a:avLst/>
+          </a:prstGeom>
+          <a:ln w="28575">
+            <a:solidFill>
+              <a:schemeClr val="tx1"/>
+            </a:solidFill>
+          </a:ln>
+        </p:spPr>
+        <p:style>
+          <a:lnRef idx="1">
+            <a:schemeClr val="accent1"/>
+          </a:lnRef>
+          <a:fillRef idx="0">
+            <a:schemeClr val="accent1"/>
+          </a:fillRef>
+          <a:effectRef idx="0">
+            <a:schemeClr val="accent1"/>
+          </a:effectRef>
+          <a:fontRef idx="minor">
+            <a:schemeClr val="tx1"/>
+          </a:fontRef>
+        </p:style>
+      </p:cxnSp>
+      <p:cxnSp>
+        <p:nvCxnSpPr>
+          <p:cNvPr id="31" name="Connecteur droit 30">
+            <a:extLst>
+              <a:ext uri="{FF2B5EF4-FFF2-40B4-BE49-F238E27FC236}">
+                <a16:creationId xmlns:a16="http://schemas.microsoft.com/office/drawing/2014/main" id="{345F23C3-64C1-48B0-23FC-43D144FE8E3D}"/>
+              </a:ext>
+            </a:extLst>
+          </p:cNvPr>
+          <p:cNvCxnSpPr>
+            <a:cxnSpLocks/>
+            <a:stCxn id="12" idx="5"/>
+            <a:endCxn id="11" idx="1"/>
+          </p:cNvCxnSpPr>
+          <p:nvPr/>
+        </p:nvCxnSpPr>
+        <p:spPr>
+          <a:xfrm>
+            <a:off x="8296992" y="1502046"/>
+            <a:ext cx="767407" cy="453290"/>
+          </a:xfrm>
+          <a:prstGeom prst="line">
+            <a:avLst/>
+          </a:prstGeom>
+          <a:ln w="28575">
+            <a:solidFill>
+              <a:schemeClr val="tx1"/>
+            </a:solidFill>
+          </a:ln>
+        </p:spPr>
+        <p:style>
+          <a:lnRef idx="1">
+            <a:schemeClr val="accent1"/>
+          </a:lnRef>
+          <a:fillRef idx="0">
+            <a:schemeClr val="accent1"/>
+          </a:fillRef>
+          <a:effectRef idx="0">
+            <a:schemeClr val="accent1"/>
+          </a:effectRef>
+          <a:fontRef idx="minor">
+            <a:schemeClr val="tx1"/>
+          </a:fontRef>
+        </p:style>
+      </p:cxnSp>
+      <p:cxnSp>
+        <p:nvCxnSpPr>
+          <p:cNvPr id="34" name="Connecteur droit 33">
+            <a:extLst>
+              <a:ext uri="{FF2B5EF4-FFF2-40B4-BE49-F238E27FC236}">
+                <a16:creationId xmlns:a16="http://schemas.microsoft.com/office/drawing/2014/main" id="{2A0F4271-A0BA-B359-3916-AD0DC0DA1920}"/>
+              </a:ext>
+            </a:extLst>
+          </p:cNvPr>
+          <p:cNvCxnSpPr>
+            <a:cxnSpLocks/>
+            <a:stCxn id="12" idx="2"/>
+            <a:endCxn id="13" idx="0"/>
+          </p:cNvCxnSpPr>
+          <p:nvPr/>
+        </p:nvCxnSpPr>
+        <p:spPr>
+          <a:xfrm flipH="1">
+            <a:off x="6726752" y="1374767"/>
+            <a:ext cx="1092551" cy="1133178"/>
+          </a:xfrm>
+          <a:prstGeom prst="line">
+            <a:avLst/>
+          </a:prstGeom>
+          <a:ln w="28575">
+            <a:solidFill>
+              <a:schemeClr val="tx1"/>
+            </a:solidFill>
+          </a:ln>
+        </p:spPr>
+        <p:style>
+          <a:lnRef idx="1">
+            <a:schemeClr val="accent1"/>
+          </a:lnRef>
+          <a:fillRef idx="0">
+            <a:schemeClr val="accent1"/>
+          </a:fillRef>
+          <a:effectRef idx="0">
+            <a:schemeClr val="accent1"/>
+          </a:effectRef>
+          <a:fontRef idx="minor">
+            <a:schemeClr val="tx1"/>
+          </a:fontRef>
+        </p:style>
+      </p:cxnSp>
+      <p:cxnSp>
+        <p:nvCxnSpPr>
+          <p:cNvPr id="37" name="Connecteur droit 36">
+            <a:extLst>
+              <a:ext uri="{FF2B5EF4-FFF2-40B4-BE49-F238E27FC236}">
+                <a16:creationId xmlns:a16="http://schemas.microsoft.com/office/drawing/2014/main" id="{B171AAAA-AB08-CC50-91B6-780ACBE24D09}"/>
+              </a:ext>
+            </a:extLst>
+          </p:cNvPr>
+          <p:cNvCxnSpPr>
+            <a:cxnSpLocks/>
+            <a:stCxn id="12" idx="4"/>
+            <a:endCxn id="6" idx="0"/>
+          </p:cNvCxnSpPr>
+          <p:nvPr/>
+        </p:nvCxnSpPr>
+        <p:spPr>
+          <a:xfrm flipH="1">
+            <a:off x="8056397" y="1554767"/>
+            <a:ext cx="42730" cy="1260457"/>
+          </a:xfrm>
+          <a:prstGeom prst="line">
+            <a:avLst/>
+          </a:prstGeom>
+          <a:ln w="28575">
+            <a:solidFill>
+              <a:schemeClr val="tx1"/>
+            </a:solidFill>
+          </a:ln>
+        </p:spPr>
+        <p:style>
+          <a:lnRef idx="1">
+            <a:schemeClr val="accent1"/>
+          </a:lnRef>
+          <a:fillRef idx="0">
+            <a:schemeClr val="accent1"/>
+          </a:fillRef>
+          <a:effectRef idx="0">
+            <a:schemeClr val="accent1"/>
+          </a:effectRef>
+          <a:fontRef idx="minor">
+            <a:schemeClr val="tx1"/>
+          </a:fontRef>
+        </p:style>
+      </p:cxnSp>
+      <p:cxnSp>
+        <p:nvCxnSpPr>
+          <p:cNvPr id="40" name="Connecteur droit 39">
+            <a:extLst>
+              <a:ext uri="{FF2B5EF4-FFF2-40B4-BE49-F238E27FC236}">
+                <a16:creationId xmlns:a16="http://schemas.microsoft.com/office/drawing/2014/main" id="{8C593CB1-6436-AB61-C536-F56653911DB8}"/>
+              </a:ext>
+            </a:extLst>
+          </p:cNvPr>
+          <p:cNvCxnSpPr>
+            <a:cxnSpLocks/>
+            <a:stCxn id="13" idx="4"/>
+            <a:endCxn id="6" idx="2"/>
+          </p:cNvCxnSpPr>
+          <p:nvPr/>
+        </p:nvCxnSpPr>
+        <p:spPr>
+          <a:xfrm>
+            <a:off x="6726752" y="2867945"/>
+            <a:ext cx="1149645" cy="127279"/>
+          </a:xfrm>
+          <a:prstGeom prst="line">
+            <a:avLst/>
+          </a:prstGeom>
+          <a:ln w="28575">
+            <a:solidFill>
+              <a:schemeClr val="tx1"/>
+            </a:solidFill>
+          </a:ln>
+        </p:spPr>
+        <p:style>
+          <a:lnRef idx="1">
+            <a:schemeClr val="accent1"/>
+          </a:lnRef>
+          <a:fillRef idx="0">
+            <a:schemeClr val="accent1"/>
+          </a:fillRef>
+          <a:effectRef idx="0">
+            <a:schemeClr val="accent1"/>
+          </a:effectRef>
+          <a:fontRef idx="minor">
+            <a:schemeClr val="tx1"/>
+          </a:fontRef>
+        </p:style>
+      </p:cxnSp>
+      <p:sp>
+        <p:nvSpPr>
+          <p:cNvPr id="80" name="Éclair 79">
+            <a:extLst>
+              <a:ext uri="{FF2B5EF4-FFF2-40B4-BE49-F238E27FC236}">
+                <a16:creationId xmlns:a16="http://schemas.microsoft.com/office/drawing/2014/main" id="{06C5C464-0116-AF47-D537-040220070FD7}"/>
+              </a:ext>
+            </a:extLst>
+          </p:cNvPr>
+          <p:cNvSpPr/>
+          <p:nvPr/>
+        </p:nvSpPr>
+        <p:spPr>
+          <a:xfrm>
+            <a:off x="7293980" y="658932"/>
+            <a:ext cx="477689" cy="520159"/>
+          </a:xfrm>
+          <a:prstGeom prst="lightningBolt">
+            <a:avLst/>
+          </a:prstGeom>
+        </p:spPr>
+        <p:style>
+          <a:lnRef idx="2">
+            <a:schemeClr val="accent1">
+              <a:shade val="15000"/>
+            </a:schemeClr>
+          </a:lnRef>
+          <a:fillRef idx="1">
+            <a:schemeClr val="accent1"/>
+          </a:fillRef>
+          <a:effectRef idx="0">
+            <a:schemeClr val="accent1"/>
+          </a:effectRef>
+          <a:fontRef idx="minor">
+            <a:schemeClr val="lt1"/>
+          </a:fontRef>
+        </p:style>
+        <p:txBody>
+          <a:bodyPr rtlCol="0" anchor="ctr"/>
+          <a:lstStyle/>
+          <a:p>
+            <a:pPr algn="ctr"/>
+            <a:endParaRPr lang="fr-FR" dirty="0"/>
+          </a:p>
+        </p:txBody>
+      </p:sp>
+      <p:sp>
+        <p:nvSpPr>
+          <p:cNvPr id="81" name="ZoneTexte 80">
+            <a:extLst>
+              <a:ext uri="{FF2B5EF4-FFF2-40B4-BE49-F238E27FC236}">
+                <a16:creationId xmlns:a16="http://schemas.microsoft.com/office/drawing/2014/main" id="{825497CD-8FC3-AE31-C20A-50DB28CE4D8E}"/>
+              </a:ext>
+            </a:extLst>
+          </p:cNvPr>
+          <p:cNvSpPr txBox="1"/>
+          <p:nvPr/>
+        </p:nvSpPr>
+        <p:spPr>
+          <a:xfrm>
+            <a:off x="6429676" y="294266"/>
+            <a:ext cx="1222408" cy="369332"/>
+          </a:xfrm>
+          <a:prstGeom prst="rect">
+            <a:avLst/>
+          </a:prstGeom>
+          <a:noFill/>
+        </p:spPr>
+        <p:txBody>
+          <a:bodyPr wrap="square" rtlCol="0">
+            <a:spAutoFit/>
+          </a:bodyPr>
+          <a:lstStyle/>
+          <a:p>
+            <a:r>
+              <a:rPr lang="fr-FR" dirty="0"/>
+              <a:t>Pesanteur</a:t>
+            </a:r>
+          </a:p>
+        </p:txBody>
+      </p:sp>
+      <p:sp>
+        <p:nvSpPr>
+          <p:cNvPr id="82" name="Éclair 81">
+            <a:extLst>
+              <a:ext uri="{FF2B5EF4-FFF2-40B4-BE49-F238E27FC236}">
+                <a16:creationId xmlns:a16="http://schemas.microsoft.com/office/drawing/2014/main" id="{47B7D960-0148-CCE5-CCE2-D798E506D7F4}"/>
+              </a:ext>
+            </a:extLst>
+          </p:cNvPr>
+          <p:cNvSpPr/>
+          <p:nvPr/>
+        </p:nvSpPr>
+        <p:spPr>
+          <a:xfrm rot="17302372">
+            <a:off x="8441851" y="3724316"/>
+            <a:ext cx="477689" cy="520159"/>
+          </a:xfrm>
+          <a:prstGeom prst="lightningBolt">
+            <a:avLst/>
+          </a:prstGeom>
+        </p:spPr>
+        <p:style>
+          <a:lnRef idx="2">
+            <a:schemeClr val="accent1">
+              <a:shade val="15000"/>
+            </a:schemeClr>
+          </a:lnRef>
+          <a:fillRef idx="1">
+            <a:schemeClr val="accent1"/>
+          </a:fillRef>
+          <a:effectRef idx="0">
+            <a:schemeClr val="accent1"/>
+          </a:effectRef>
+          <a:fontRef idx="minor">
+            <a:schemeClr val="lt1"/>
+          </a:fontRef>
+        </p:style>
+        <p:txBody>
+          <a:bodyPr rtlCol="0" anchor="ctr"/>
+          <a:lstStyle/>
+          <a:p>
+            <a:pPr algn="ctr"/>
+            <a:endParaRPr lang="fr-FR" dirty="0"/>
+          </a:p>
+        </p:txBody>
+      </p:sp>
+      <p:sp>
+        <p:nvSpPr>
+          <p:cNvPr id="83" name="Éclair 82">
+            <a:extLst>
+              <a:ext uri="{FF2B5EF4-FFF2-40B4-BE49-F238E27FC236}">
+                <a16:creationId xmlns:a16="http://schemas.microsoft.com/office/drawing/2014/main" id="{27346584-F33F-BEFD-E714-7CE44F8C9CD1}"/>
+              </a:ext>
+            </a:extLst>
+          </p:cNvPr>
+          <p:cNvSpPr/>
+          <p:nvPr/>
+        </p:nvSpPr>
+        <p:spPr>
+          <a:xfrm rot="7805133" flipH="1">
+            <a:off x="7838918" y="3415670"/>
+            <a:ext cx="477689" cy="520159"/>
+          </a:xfrm>
+          <a:prstGeom prst="lightningBolt">
+            <a:avLst/>
+          </a:prstGeom>
+        </p:spPr>
+        <p:style>
+          <a:lnRef idx="2">
+            <a:schemeClr val="accent1">
+              <a:shade val="15000"/>
+            </a:schemeClr>
+          </a:lnRef>
+          <a:fillRef idx="1">
+            <a:schemeClr val="accent1"/>
+          </a:fillRef>
+          <a:effectRef idx="0">
+            <a:schemeClr val="accent1"/>
+          </a:effectRef>
+          <a:fontRef idx="minor">
+            <a:schemeClr val="lt1"/>
+          </a:fontRef>
+        </p:style>
+        <p:txBody>
+          <a:bodyPr rtlCol="0" anchor="ctr"/>
+          <a:lstStyle/>
+          <a:p>
+            <a:pPr algn="ctr"/>
+            <a:endParaRPr lang="fr-FR" dirty="0"/>
+          </a:p>
+        </p:txBody>
+      </p:sp>
+      <p:sp>
+        <p:nvSpPr>
+          <p:cNvPr id="84" name="ZoneTexte 83">
+            <a:extLst>
+              <a:ext uri="{FF2B5EF4-FFF2-40B4-BE49-F238E27FC236}">
+                <a16:creationId xmlns:a16="http://schemas.microsoft.com/office/drawing/2014/main" id="{67A4275A-CA7F-3513-81B7-16042835863E}"/>
+              </a:ext>
+            </a:extLst>
+          </p:cNvPr>
+          <p:cNvSpPr txBox="1"/>
+          <p:nvPr/>
+        </p:nvSpPr>
+        <p:spPr>
+          <a:xfrm>
+            <a:off x="7685788" y="4066841"/>
+            <a:ext cx="1222408" cy="369332"/>
+          </a:xfrm>
+          <a:prstGeom prst="rect">
+            <a:avLst/>
+          </a:prstGeom>
+          <a:noFill/>
+        </p:spPr>
+        <p:txBody>
+          <a:bodyPr wrap="square" rtlCol="0">
+            <a:spAutoFit/>
+          </a:bodyPr>
+          <a:lstStyle/>
+          <a:p>
+            <a:r>
+              <a:rPr lang="fr-FR" dirty="0"/>
+              <a:t>Moteur</a:t>
+            </a:r>
+          </a:p>
+        </p:txBody>
+      </p:sp>
+    </p:spTree>
+    <p:extLst>
+      <p:ext uri="{BB962C8B-B14F-4D97-AF65-F5344CB8AC3E}">
+        <p14:creationId xmlns:p14="http://schemas.microsoft.com/office/powerpoint/2010/main" val="1600097993"/>
+      </p:ext>
+    </p:extLst>
+  </p:cSld>
+  <p:clrMapOvr>
+    <a:masterClrMapping/>
+  </p:clrMapOvr>
+</p:sld>
+</file>
+
 <file path=ppt/theme/theme1.xml><?xml version="1.0" encoding="utf-8"?>
 <a:theme xmlns:a="http://schemas.openxmlformats.org/drawingml/2006/main" name="Rétrospective">
   <a:themeElements>
